--- a/ppt 16-9/0618.主大慈爱.pptx
+++ b/ppt 16-9/0618.主大慈爱.pptx
@@ -5,7 +5,7 @@
     <p:sldMasterId id="2147483648" r:id="rId1"/>
   </p:sldMasterIdLst>
   <p:sldIdLst>
-    <p:sldId id="2408" r:id="rId2"/>
+    <p:sldId id="2411" r:id="rId2"/>
   </p:sldIdLst>
   <p:sldSz cx="12192000" cy="6858000"/>
   <p:notesSz cx="6858000" cy="9144000"/>
@@ -129,7 +129,7 @@
           <p:cNvPr id="2" name="标题 1">
             <a:extLst>
               <a:ext uri="{FF2B5EF4-FFF2-40B4-BE49-F238E27FC236}">
-                <a16:creationId xmlns:a16="http://schemas.microsoft.com/office/drawing/2014/main" id="{46EB6A10-F4B6-1E33-1600-E540E9DDDEA2}"/>
+                <a16:creationId xmlns:a16="http://schemas.microsoft.com/office/drawing/2014/main" id="{4B75FC3D-4B5D-7329-F3FE-A5166718F390}"/>
               </a:ext>
             </a:extLst>
           </p:cNvPr>
@@ -166,7 +166,7 @@
           <p:cNvPr id="3" name="副标题 2">
             <a:extLst>
               <a:ext uri="{FF2B5EF4-FFF2-40B4-BE49-F238E27FC236}">
-                <a16:creationId xmlns:a16="http://schemas.microsoft.com/office/drawing/2014/main" id="{E3DC7F2B-B3DF-C1DB-CBE4-327FD1F09C3D}"/>
+                <a16:creationId xmlns:a16="http://schemas.microsoft.com/office/drawing/2014/main" id="{3112B20B-B1DF-0A5A-AC90-B5215AB0892C}"/>
               </a:ext>
             </a:extLst>
           </p:cNvPr>
@@ -236,7 +236,7 @@
           <p:cNvPr id="4" name="日期占位符 3">
             <a:extLst>
               <a:ext uri="{FF2B5EF4-FFF2-40B4-BE49-F238E27FC236}">
-                <a16:creationId xmlns:a16="http://schemas.microsoft.com/office/drawing/2014/main" id="{6ACCEC56-8B11-F2A4-3837-F6C547029054}"/>
+                <a16:creationId xmlns:a16="http://schemas.microsoft.com/office/drawing/2014/main" id="{D5D54C2E-7B48-51E5-3BC4-D6CBE431F2B0}"/>
               </a:ext>
             </a:extLst>
           </p:cNvPr>
@@ -252,7 +252,7 @@
           <a:bodyPr/>
           <a:lstStyle/>
           <a:p>
-            <a:fld id="{6F3FCABA-DD23-4C1A-9C83-06C77ADC0A50}" type="datetimeFigureOut">
+            <a:fld id="{A3135D02-B4E9-4026-891D-B710E92AEE05}" type="datetimeFigureOut">
               <a:rPr lang="zh-CN" altLang="en-US" smtClean="0"/>
               <a:t>2024/3/10</a:t>
             </a:fld>
@@ -265,7 +265,7 @@
           <p:cNvPr id="5" name="页脚占位符 4">
             <a:extLst>
               <a:ext uri="{FF2B5EF4-FFF2-40B4-BE49-F238E27FC236}">
-                <a16:creationId xmlns:a16="http://schemas.microsoft.com/office/drawing/2014/main" id="{3118828F-E7A1-FD08-0A8F-737A9A1282C8}"/>
+                <a16:creationId xmlns:a16="http://schemas.microsoft.com/office/drawing/2014/main" id="{D03D2A9E-3985-809A-6FD9-306B3A3A316F}"/>
               </a:ext>
             </a:extLst>
           </p:cNvPr>
@@ -290,7 +290,7 @@
           <p:cNvPr id="6" name="灯片编号占位符 5">
             <a:extLst>
               <a:ext uri="{FF2B5EF4-FFF2-40B4-BE49-F238E27FC236}">
-                <a16:creationId xmlns:a16="http://schemas.microsoft.com/office/drawing/2014/main" id="{D0D8E71B-9B53-3AA8-2B64-8EF313427B15}"/>
+                <a16:creationId xmlns:a16="http://schemas.microsoft.com/office/drawing/2014/main" id="{A4FC7388-5F1E-E6B5-0672-BE4247F9C5EA}"/>
               </a:ext>
             </a:extLst>
           </p:cNvPr>
@@ -306,7 +306,7 @@
           <a:bodyPr/>
           <a:lstStyle/>
           <a:p>
-            <a:fld id="{120B97E8-5717-4FAB-A4E9-EFA63948E267}" type="slidenum">
+            <a:fld id="{3307AE03-E109-47E9-997B-9BA74F1BCD44}" type="slidenum">
               <a:rPr lang="zh-CN" altLang="en-US" smtClean="0"/>
               <a:t>‹#›</a:t>
             </a:fld>
@@ -317,7 +317,7 @@
     </p:spTree>
     <p:extLst>
       <p:ext uri="{BB962C8B-B14F-4D97-AF65-F5344CB8AC3E}">
-        <p14:creationId xmlns:p14="http://schemas.microsoft.com/office/powerpoint/2010/main" val="960364990"/>
+        <p14:creationId xmlns:p14="http://schemas.microsoft.com/office/powerpoint/2010/main" val="1670598635"/>
       </p:ext>
     </p:extLst>
   </p:cSld>
@@ -349,7 +349,7 @@
           <p:cNvPr id="2" name="标题 1">
             <a:extLst>
               <a:ext uri="{FF2B5EF4-FFF2-40B4-BE49-F238E27FC236}">
-                <a16:creationId xmlns:a16="http://schemas.microsoft.com/office/drawing/2014/main" id="{A03320D5-86A3-F7F9-7362-A4253F79E63F}"/>
+                <a16:creationId xmlns:a16="http://schemas.microsoft.com/office/drawing/2014/main" id="{05EF0428-74F5-2821-A469-CF63DCDDF682}"/>
               </a:ext>
             </a:extLst>
           </p:cNvPr>
@@ -377,7 +377,7 @@
           <p:cNvPr id="3" name="竖排文字占位符 2">
             <a:extLst>
               <a:ext uri="{FF2B5EF4-FFF2-40B4-BE49-F238E27FC236}">
-                <a16:creationId xmlns:a16="http://schemas.microsoft.com/office/drawing/2014/main" id="{E73CF02D-AA8F-7631-2105-330F4AB385AC}"/>
+                <a16:creationId xmlns:a16="http://schemas.microsoft.com/office/drawing/2014/main" id="{993A7444-3EB8-5458-3F38-191FA1905B84}"/>
               </a:ext>
             </a:extLst>
           </p:cNvPr>
@@ -434,7 +434,7 @@
           <p:cNvPr id="4" name="日期占位符 3">
             <a:extLst>
               <a:ext uri="{FF2B5EF4-FFF2-40B4-BE49-F238E27FC236}">
-                <a16:creationId xmlns:a16="http://schemas.microsoft.com/office/drawing/2014/main" id="{61C7C2AF-E84A-73E0-C1E0-B4A287CF0D36}"/>
+                <a16:creationId xmlns:a16="http://schemas.microsoft.com/office/drawing/2014/main" id="{7F93EB7D-DDC7-2765-B5E8-A280971B63B8}"/>
               </a:ext>
             </a:extLst>
           </p:cNvPr>
@@ -450,7 +450,7 @@
           <a:bodyPr/>
           <a:lstStyle/>
           <a:p>
-            <a:fld id="{6F3FCABA-DD23-4C1A-9C83-06C77ADC0A50}" type="datetimeFigureOut">
+            <a:fld id="{A3135D02-B4E9-4026-891D-B710E92AEE05}" type="datetimeFigureOut">
               <a:rPr lang="zh-CN" altLang="en-US" smtClean="0"/>
               <a:t>2024/3/10</a:t>
             </a:fld>
@@ -463,7 +463,7 @@
           <p:cNvPr id="5" name="页脚占位符 4">
             <a:extLst>
               <a:ext uri="{FF2B5EF4-FFF2-40B4-BE49-F238E27FC236}">
-                <a16:creationId xmlns:a16="http://schemas.microsoft.com/office/drawing/2014/main" id="{34BB516B-82FA-B557-9221-4DD855931B9B}"/>
+                <a16:creationId xmlns:a16="http://schemas.microsoft.com/office/drawing/2014/main" id="{4595A554-9824-31B4-E869-23A22D395C5A}"/>
               </a:ext>
             </a:extLst>
           </p:cNvPr>
@@ -488,7 +488,7 @@
           <p:cNvPr id="6" name="灯片编号占位符 5">
             <a:extLst>
               <a:ext uri="{FF2B5EF4-FFF2-40B4-BE49-F238E27FC236}">
-                <a16:creationId xmlns:a16="http://schemas.microsoft.com/office/drawing/2014/main" id="{6DF88279-563D-7EBC-AE61-5DBA9678925C}"/>
+                <a16:creationId xmlns:a16="http://schemas.microsoft.com/office/drawing/2014/main" id="{80C31DDA-A38A-55B3-C276-E802FFE88998}"/>
               </a:ext>
             </a:extLst>
           </p:cNvPr>
@@ -504,7 +504,7 @@
           <a:bodyPr/>
           <a:lstStyle/>
           <a:p>
-            <a:fld id="{120B97E8-5717-4FAB-A4E9-EFA63948E267}" type="slidenum">
+            <a:fld id="{3307AE03-E109-47E9-997B-9BA74F1BCD44}" type="slidenum">
               <a:rPr lang="zh-CN" altLang="en-US" smtClean="0"/>
               <a:t>‹#›</a:t>
             </a:fld>
@@ -515,7 +515,7 @@
     </p:spTree>
     <p:extLst>
       <p:ext uri="{BB962C8B-B14F-4D97-AF65-F5344CB8AC3E}">
-        <p14:creationId xmlns:p14="http://schemas.microsoft.com/office/powerpoint/2010/main" val="2807830496"/>
+        <p14:creationId xmlns:p14="http://schemas.microsoft.com/office/powerpoint/2010/main" val="2909585853"/>
       </p:ext>
     </p:extLst>
   </p:cSld>
@@ -547,7 +547,7 @@
           <p:cNvPr id="2" name="竖排标题 1">
             <a:extLst>
               <a:ext uri="{FF2B5EF4-FFF2-40B4-BE49-F238E27FC236}">
-                <a16:creationId xmlns:a16="http://schemas.microsoft.com/office/drawing/2014/main" id="{A8DFC3BC-0ED7-3596-E54A-C82D02BB8DCE}"/>
+                <a16:creationId xmlns:a16="http://schemas.microsoft.com/office/drawing/2014/main" id="{F6346F7D-B647-A739-1223-03C5CE7A464D}"/>
               </a:ext>
             </a:extLst>
           </p:cNvPr>
@@ -580,7 +580,7 @@
           <p:cNvPr id="3" name="竖排文字占位符 2">
             <a:extLst>
               <a:ext uri="{FF2B5EF4-FFF2-40B4-BE49-F238E27FC236}">
-                <a16:creationId xmlns:a16="http://schemas.microsoft.com/office/drawing/2014/main" id="{D6FE6676-9F0F-DFC6-5D30-06C9FBFFEE40}"/>
+                <a16:creationId xmlns:a16="http://schemas.microsoft.com/office/drawing/2014/main" id="{FA0E8D35-65BF-47A3-891E-7651CA25B0CD}"/>
               </a:ext>
             </a:extLst>
           </p:cNvPr>
@@ -642,7 +642,7 @@
           <p:cNvPr id="4" name="日期占位符 3">
             <a:extLst>
               <a:ext uri="{FF2B5EF4-FFF2-40B4-BE49-F238E27FC236}">
-                <a16:creationId xmlns:a16="http://schemas.microsoft.com/office/drawing/2014/main" id="{F981ACD7-3996-5358-B4FD-2A4D7AB28442}"/>
+                <a16:creationId xmlns:a16="http://schemas.microsoft.com/office/drawing/2014/main" id="{D2EF8CD9-007F-BA2C-FD81-99FEE4A79BC7}"/>
               </a:ext>
             </a:extLst>
           </p:cNvPr>
@@ -658,7 +658,7 @@
           <a:bodyPr/>
           <a:lstStyle/>
           <a:p>
-            <a:fld id="{6F3FCABA-DD23-4C1A-9C83-06C77ADC0A50}" type="datetimeFigureOut">
+            <a:fld id="{A3135D02-B4E9-4026-891D-B710E92AEE05}" type="datetimeFigureOut">
               <a:rPr lang="zh-CN" altLang="en-US" smtClean="0"/>
               <a:t>2024/3/10</a:t>
             </a:fld>
@@ -671,7 +671,7 @@
           <p:cNvPr id="5" name="页脚占位符 4">
             <a:extLst>
               <a:ext uri="{FF2B5EF4-FFF2-40B4-BE49-F238E27FC236}">
-                <a16:creationId xmlns:a16="http://schemas.microsoft.com/office/drawing/2014/main" id="{D81E6D38-2BFC-CB90-1A8E-77D49F12DAC2}"/>
+                <a16:creationId xmlns:a16="http://schemas.microsoft.com/office/drawing/2014/main" id="{D4C0225A-03B7-6FDC-540A-4FBD839E44F3}"/>
               </a:ext>
             </a:extLst>
           </p:cNvPr>
@@ -696,7 +696,7 @@
           <p:cNvPr id="6" name="灯片编号占位符 5">
             <a:extLst>
               <a:ext uri="{FF2B5EF4-FFF2-40B4-BE49-F238E27FC236}">
-                <a16:creationId xmlns:a16="http://schemas.microsoft.com/office/drawing/2014/main" id="{3E3A50C2-F316-4085-7C9F-DFB338A7F5C8}"/>
+                <a16:creationId xmlns:a16="http://schemas.microsoft.com/office/drawing/2014/main" id="{D5D0D69B-16B4-EE06-6B2F-A9576D1A5F9D}"/>
               </a:ext>
             </a:extLst>
           </p:cNvPr>
@@ -712,7 +712,7 @@
           <a:bodyPr/>
           <a:lstStyle/>
           <a:p>
-            <a:fld id="{120B97E8-5717-4FAB-A4E9-EFA63948E267}" type="slidenum">
+            <a:fld id="{3307AE03-E109-47E9-997B-9BA74F1BCD44}" type="slidenum">
               <a:rPr lang="zh-CN" altLang="en-US" smtClean="0"/>
               <a:t>‹#›</a:t>
             </a:fld>
@@ -723,7 +723,7 @@
     </p:spTree>
     <p:extLst>
       <p:ext uri="{BB962C8B-B14F-4D97-AF65-F5344CB8AC3E}">
-        <p14:creationId xmlns:p14="http://schemas.microsoft.com/office/powerpoint/2010/main" val="3636153053"/>
+        <p14:creationId xmlns:p14="http://schemas.microsoft.com/office/powerpoint/2010/main" val="4022230102"/>
       </p:ext>
     </p:extLst>
   </p:cSld>
@@ -755,7 +755,7 @@
           <p:cNvPr id="2" name="标题 1">
             <a:extLst>
               <a:ext uri="{FF2B5EF4-FFF2-40B4-BE49-F238E27FC236}">
-                <a16:creationId xmlns:a16="http://schemas.microsoft.com/office/drawing/2014/main" id="{CE150726-C6F2-E495-7333-1515A9385DE4}"/>
+                <a16:creationId xmlns:a16="http://schemas.microsoft.com/office/drawing/2014/main" id="{9B37B1A3-53B7-29E8-86E3-354B0FFDFDF0}"/>
               </a:ext>
             </a:extLst>
           </p:cNvPr>
@@ -783,7 +783,7 @@
           <p:cNvPr id="3" name="内容占位符 2">
             <a:extLst>
               <a:ext uri="{FF2B5EF4-FFF2-40B4-BE49-F238E27FC236}">
-                <a16:creationId xmlns:a16="http://schemas.microsoft.com/office/drawing/2014/main" id="{FC30B8E0-DEDE-F1EA-3E01-AEF458974FA7}"/>
+                <a16:creationId xmlns:a16="http://schemas.microsoft.com/office/drawing/2014/main" id="{DC99731D-E4EA-B6AA-B855-1E7793E1D5FD}"/>
               </a:ext>
             </a:extLst>
           </p:cNvPr>
@@ -840,7 +840,7 @@
           <p:cNvPr id="4" name="日期占位符 3">
             <a:extLst>
               <a:ext uri="{FF2B5EF4-FFF2-40B4-BE49-F238E27FC236}">
-                <a16:creationId xmlns:a16="http://schemas.microsoft.com/office/drawing/2014/main" id="{8A8B7B1E-47EA-5913-19A0-D19BBDAE22F9}"/>
+                <a16:creationId xmlns:a16="http://schemas.microsoft.com/office/drawing/2014/main" id="{094F2F9B-6AEC-1EC2-2A1C-9D9E33B101FC}"/>
               </a:ext>
             </a:extLst>
           </p:cNvPr>
@@ -856,7 +856,7 @@
           <a:bodyPr/>
           <a:lstStyle/>
           <a:p>
-            <a:fld id="{6F3FCABA-DD23-4C1A-9C83-06C77ADC0A50}" type="datetimeFigureOut">
+            <a:fld id="{A3135D02-B4E9-4026-891D-B710E92AEE05}" type="datetimeFigureOut">
               <a:rPr lang="zh-CN" altLang="en-US" smtClean="0"/>
               <a:t>2024/3/10</a:t>
             </a:fld>
@@ -869,7 +869,7 @@
           <p:cNvPr id="5" name="页脚占位符 4">
             <a:extLst>
               <a:ext uri="{FF2B5EF4-FFF2-40B4-BE49-F238E27FC236}">
-                <a16:creationId xmlns:a16="http://schemas.microsoft.com/office/drawing/2014/main" id="{F7890B27-648D-C6AB-A46C-31163AADA977}"/>
+                <a16:creationId xmlns:a16="http://schemas.microsoft.com/office/drawing/2014/main" id="{2E472EBE-BDC4-D681-5D4F-688AFEE1D5C9}"/>
               </a:ext>
             </a:extLst>
           </p:cNvPr>
@@ -894,7 +894,7 @@
           <p:cNvPr id="6" name="灯片编号占位符 5">
             <a:extLst>
               <a:ext uri="{FF2B5EF4-FFF2-40B4-BE49-F238E27FC236}">
-                <a16:creationId xmlns:a16="http://schemas.microsoft.com/office/drawing/2014/main" id="{057DDD76-1414-1D8E-180E-78C211498C4D}"/>
+                <a16:creationId xmlns:a16="http://schemas.microsoft.com/office/drawing/2014/main" id="{BBD1AFDD-37C2-E7F8-3469-D35F555DC3CE}"/>
               </a:ext>
             </a:extLst>
           </p:cNvPr>
@@ -910,7 +910,7 @@
           <a:bodyPr/>
           <a:lstStyle/>
           <a:p>
-            <a:fld id="{120B97E8-5717-4FAB-A4E9-EFA63948E267}" type="slidenum">
+            <a:fld id="{3307AE03-E109-47E9-997B-9BA74F1BCD44}" type="slidenum">
               <a:rPr lang="zh-CN" altLang="en-US" smtClean="0"/>
               <a:t>‹#›</a:t>
             </a:fld>
@@ -921,7 +921,7 @@
     </p:spTree>
     <p:extLst>
       <p:ext uri="{BB962C8B-B14F-4D97-AF65-F5344CB8AC3E}">
-        <p14:creationId xmlns:p14="http://schemas.microsoft.com/office/powerpoint/2010/main" val="2108079198"/>
+        <p14:creationId xmlns:p14="http://schemas.microsoft.com/office/powerpoint/2010/main" val="229187583"/>
       </p:ext>
     </p:extLst>
   </p:cSld>
@@ -953,7 +953,7 @@
           <p:cNvPr id="2" name="标题 1">
             <a:extLst>
               <a:ext uri="{FF2B5EF4-FFF2-40B4-BE49-F238E27FC236}">
-                <a16:creationId xmlns:a16="http://schemas.microsoft.com/office/drawing/2014/main" id="{B5F4DB9A-2195-3253-0B53-63F327579948}"/>
+                <a16:creationId xmlns:a16="http://schemas.microsoft.com/office/drawing/2014/main" id="{4D545502-3949-0847-AF54-448741D9F4E0}"/>
               </a:ext>
             </a:extLst>
           </p:cNvPr>
@@ -990,7 +990,7 @@
           <p:cNvPr id="3" name="文本占位符 2">
             <a:extLst>
               <a:ext uri="{FF2B5EF4-FFF2-40B4-BE49-F238E27FC236}">
-                <a16:creationId xmlns:a16="http://schemas.microsoft.com/office/drawing/2014/main" id="{6971420E-0134-3297-05B3-C69698765688}"/>
+                <a16:creationId xmlns:a16="http://schemas.microsoft.com/office/drawing/2014/main" id="{14425112-F7D7-FF3A-AAB4-F1E3CC3B6397}"/>
               </a:ext>
             </a:extLst>
           </p:cNvPr>
@@ -1115,7 +1115,7 @@
           <p:cNvPr id="4" name="日期占位符 3">
             <a:extLst>
               <a:ext uri="{FF2B5EF4-FFF2-40B4-BE49-F238E27FC236}">
-                <a16:creationId xmlns:a16="http://schemas.microsoft.com/office/drawing/2014/main" id="{A87CAE0F-C93D-6225-0590-74D718694232}"/>
+                <a16:creationId xmlns:a16="http://schemas.microsoft.com/office/drawing/2014/main" id="{2EBAF0E1-514B-8A39-D5E6-037AACB20795}"/>
               </a:ext>
             </a:extLst>
           </p:cNvPr>
@@ -1131,7 +1131,7 @@
           <a:bodyPr/>
           <a:lstStyle/>
           <a:p>
-            <a:fld id="{6F3FCABA-DD23-4C1A-9C83-06C77ADC0A50}" type="datetimeFigureOut">
+            <a:fld id="{A3135D02-B4E9-4026-891D-B710E92AEE05}" type="datetimeFigureOut">
               <a:rPr lang="zh-CN" altLang="en-US" smtClean="0"/>
               <a:t>2024/3/10</a:t>
             </a:fld>
@@ -1144,7 +1144,7 @@
           <p:cNvPr id="5" name="页脚占位符 4">
             <a:extLst>
               <a:ext uri="{FF2B5EF4-FFF2-40B4-BE49-F238E27FC236}">
-                <a16:creationId xmlns:a16="http://schemas.microsoft.com/office/drawing/2014/main" id="{A654D735-FB6C-B6E3-3014-FA6859FDEA86}"/>
+                <a16:creationId xmlns:a16="http://schemas.microsoft.com/office/drawing/2014/main" id="{D08F2870-F041-FE34-E4C6-0C8644BD2509}"/>
               </a:ext>
             </a:extLst>
           </p:cNvPr>
@@ -1169,7 +1169,7 @@
           <p:cNvPr id="6" name="灯片编号占位符 5">
             <a:extLst>
               <a:ext uri="{FF2B5EF4-FFF2-40B4-BE49-F238E27FC236}">
-                <a16:creationId xmlns:a16="http://schemas.microsoft.com/office/drawing/2014/main" id="{F5C4087E-19CB-EE8D-71AE-37E53DF33174}"/>
+                <a16:creationId xmlns:a16="http://schemas.microsoft.com/office/drawing/2014/main" id="{67542C6E-0685-30B1-BA75-F23EF8AADCDF}"/>
               </a:ext>
             </a:extLst>
           </p:cNvPr>
@@ -1185,7 +1185,7 @@
           <a:bodyPr/>
           <a:lstStyle/>
           <a:p>
-            <a:fld id="{120B97E8-5717-4FAB-A4E9-EFA63948E267}" type="slidenum">
+            <a:fld id="{3307AE03-E109-47E9-997B-9BA74F1BCD44}" type="slidenum">
               <a:rPr lang="zh-CN" altLang="en-US" smtClean="0"/>
               <a:t>‹#›</a:t>
             </a:fld>
@@ -1196,7 +1196,7 @@
     </p:spTree>
     <p:extLst>
       <p:ext uri="{BB962C8B-B14F-4D97-AF65-F5344CB8AC3E}">
-        <p14:creationId xmlns:p14="http://schemas.microsoft.com/office/powerpoint/2010/main" val="4252553119"/>
+        <p14:creationId xmlns:p14="http://schemas.microsoft.com/office/powerpoint/2010/main" val="3925871751"/>
       </p:ext>
     </p:extLst>
   </p:cSld>
@@ -1228,7 +1228,7 @@
           <p:cNvPr id="2" name="标题 1">
             <a:extLst>
               <a:ext uri="{FF2B5EF4-FFF2-40B4-BE49-F238E27FC236}">
-                <a16:creationId xmlns:a16="http://schemas.microsoft.com/office/drawing/2014/main" id="{8A4F6A94-B74E-6638-8063-683C48AF27DD}"/>
+                <a16:creationId xmlns:a16="http://schemas.microsoft.com/office/drawing/2014/main" id="{2A958433-F316-742B-ED8E-BC63EB811E9E}"/>
               </a:ext>
             </a:extLst>
           </p:cNvPr>
@@ -1256,7 +1256,7 @@
           <p:cNvPr id="3" name="内容占位符 2">
             <a:extLst>
               <a:ext uri="{FF2B5EF4-FFF2-40B4-BE49-F238E27FC236}">
-                <a16:creationId xmlns:a16="http://schemas.microsoft.com/office/drawing/2014/main" id="{91B3D0F7-D329-59DB-B7B1-872CEC79AE58}"/>
+                <a16:creationId xmlns:a16="http://schemas.microsoft.com/office/drawing/2014/main" id="{CFB319C5-1002-B6C2-42D0-D29D92233BAA}"/>
               </a:ext>
             </a:extLst>
           </p:cNvPr>
@@ -1318,7 +1318,7 @@
           <p:cNvPr id="4" name="内容占位符 3">
             <a:extLst>
               <a:ext uri="{FF2B5EF4-FFF2-40B4-BE49-F238E27FC236}">
-                <a16:creationId xmlns:a16="http://schemas.microsoft.com/office/drawing/2014/main" id="{5B79E667-F79B-3DBA-9A7B-35763303465E}"/>
+                <a16:creationId xmlns:a16="http://schemas.microsoft.com/office/drawing/2014/main" id="{476E4431-DF94-1140-7474-CCCFBCBAB3D1}"/>
               </a:ext>
             </a:extLst>
           </p:cNvPr>
@@ -1380,7 +1380,7 @@
           <p:cNvPr id="5" name="日期占位符 4">
             <a:extLst>
               <a:ext uri="{FF2B5EF4-FFF2-40B4-BE49-F238E27FC236}">
-                <a16:creationId xmlns:a16="http://schemas.microsoft.com/office/drawing/2014/main" id="{CEA667FE-317B-D5AB-2604-541FA805A901}"/>
+                <a16:creationId xmlns:a16="http://schemas.microsoft.com/office/drawing/2014/main" id="{4FBC4394-D0FD-53DF-0D56-6DF457E9E7A4}"/>
               </a:ext>
             </a:extLst>
           </p:cNvPr>
@@ -1396,7 +1396,7 @@
           <a:bodyPr/>
           <a:lstStyle/>
           <a:p>
-            <a:fld id="{6F3FCABA-DD23-4C1A-9C83-06C77ADC0A50}" type="datetimeFigureOut">
+            <a:fld id="{A3135D02-B4E9-4026-891D-B710E92AEE05}" type="datetimeFigureOut">
               <a:rPr lang="zh-CN" altLang="en-US" smtClean="0"/>
               <a:t>2024/3/10</a:t>
             </a:fld>
@@ -1409,7 +1409,7 @@
           <p:cNvPr id="6" name="页脚占位符 5">
             <a:extLst>
               <a:ext uri="{FF2B5EF4-FFF2-40B4-BE49-F238E27FC236}">
-                <a16:creationId xmlns:a16="http://schemas.microsoft.com/office/drawing/2014/main" id="{3F6F9537-E32E-9F80-5D17-CB3E6B8381F5}"/>
+                <a16:creationId xmlns:a16="http://schemas.microsoft.com/office/drawing/2014/main" id="{86E26A03-5AD8-2B88-DD7F-E6567D4DE2BC}"/>
               </a:ext>
             </a:extLst>
           </p:cNvPr>
@@ -1434,7 +1434,7 @@
           <p:cNvPr id="7" name="灯片编号占位符 6">
             <a:extLst>
               <a:ext uri="{FF2B5EF4-FFF2-40B4-BE49-F238E27FC236}">
-                <a16:creationId xmlns:a16="http://schemas.microsoft.com/office/drawing/2014/main" id="{712CC431-BC5A-2E39-E28D-20C0B73CEE16}"/>
+                <a16:creationId xmlns:a16="http://schemas.microsoft.com/office/drawing/2014/main" id="{82FA031F-62F2-A358-132B-CFB5BEC8BE26}"/>
               </a:ext>
             </a:extLst>
           </p:cNvPr>
@@ -1450,7 +1450,7 @@
           <a:bodyPr/>
           <a:lstStyle/>
           <a:p>
-            <a:fld id="{120B97E8-5717-4FAB-A4E9-EFA63948E267}" type="slidenum">
+            <a:fld id="{3307AE03-E109-47E9-997B-9BA74F1BCD44}" type="slidenum">
               <a:rPr lang="zh-CN" altLang="en-US" smtClean="0"/>
               <a:t>‹#›</a:t>
             </a:fld>
@@ -1461,7 +1461,7 @@
     </p:spTree>
     <p:extLst>
       <p:ext uri="{BB962C8B-B14F-4D97-AF65-F5344CB8AC3E}">
-        <p14:creationId xmlns:p14="http://schemas.microsoft.com/office/powerpoint/2010/main" val="2278252102"/>
+        <p14:creationId xmlns:p14="http://schemas.microsoft.com/office/powerpoint/2010/main" val="2081589426"/>
       </p:ext>
     </p:extLst>
   </p:cSld>
@@ -1493,7 +1493,7 @@
           <p:cNvPr id="2" name="标题 1">
             <a:extLst>
               <a:ext uri="{FF2B5EF4-FFF2-40B4-BE49-F238E27FC236}">
-                <a16:creationId xmlns:a16="http://schemas.microsoft.com/office/drawing/2014/main" id="{AA46C0BE-D41F-C71C-0380-ACBAB576EBFB}"/>
+                <a16:creationId xmlns:a16="http://schemas.microsoft.com/office/drawing/2014/main" id="{394AC9DD-C586-C5CA-BC01-A6A037115F53}"/>
               </a:ext>
             </a:extLst>
           </p:cNvPr>
@@ -1526,7 +1526,7 @@
           <p:cNvPr id="3" name="文本占位符 2">
             <a:extLst>
               <a:ext uri="{FF2B5EF4-FFF2-40B4-BE49-F238E27FC236}">
-                <a16:creationId xmlns:a16="http://schemas.microsoft.com/office/drawing/2014/main" id="{ACE7A02B-4596-3BE8-338E-669DA742A7AC}"/>
+                <a16:creationId xmlns:a16="http://schemas.microsoft.com/office/drawing/2014/main" id="{2711AF3C-7242-485E-93C9-E464003BD51D}"/>
               </a:ext>
             </a:extLst>
           </p:cNvPr>
@@ -1597,7 +1597,7 @@
           <p:cNvPr id="4" name="内容占位符 3">
             <a:extLst>
               <a:ext uri="{FF2B5EF4-FFF2-40B4-BE49-F238E27FC236}">
-                <a16:creationId xmlns:a16="http://schemas.microsoft.com/office/drawing/2014/main" id="{EF8B03C7-AF88-5BDD-41F7-D8EF4212F5C3}"/>
+                <a16:creationId xmlns:a16="http://schemas.microsoft.com/office/drawing/2014/main" id="{751714CB-BB74-8937-0EB4-AEE623E92D76}"/>
               </a:ext>
             </a:extLst>
           </p:cNvPr>
@@ -1659,7 +1659,7 @@
           <p:cNvPr id="5" name="文本占位符 4">
             <a:extLst>
               <a:ext uri="{FF2B5EF4-FFF2-40B4-BE49-F238E27FC236}">
-                <a16:creationId xmlns:a16="http://schemas.microsoft.com/office/drawing/2014/main" id="{53007C7D-001C-B735-7FFE-3D91863F088E}"/>
+                <a16:creationId xmlns:a16="http://schemas.microsoft.com/office/drawing/2014/main" id="{6222855E-197F-CCE1-E3E6-46387AA55FC2}"/>
               </a:ext>
             </a:extLst>
           </p:cNvPr>
@@ -1730,7 +1730,7 @@
           <p:cNvPr id="6" name="内容占位符 5">
             <a:extLst>
               <a:ext uri="{FF2B5EF4-FFF2-40B4-BE49-F238E27FC236}">
-                <a16:creationId xmlns:a16="http://schemas.microsoft.com/office/drawing/2014/main" id="{AE2046DC-48E6-1FB5-4BD4-9B2CBE04B820}"/>
+                <a16:creationId xmlns:a16="http://schemas.microsoft.com/office/drawing/2014/main" id="{012463F4-AB78-ACE8-F4F2-5FE5AFD7DA7D}"/>
               </a:ext>
             </a:extLst>
           </p:cNvPr>
@@ -1792,7 +1792,7 @@
           <p:cNvPr id="7" name="日期占位符 6">
             <a:extLst>
               <a:ext uri="{FF2B5EF4-FFF2-40B4-BE49-F238E27FC236}">
-                <a16:creationId xmlns:a16="http://schemas.microsoft.com/office/drawing/2014/main" id="{616243BC-95F5-240A-55B4-32DC951F0BBF}"/>
+                <a16:creationId xmlns:a16="http://schemas.microsoft.com/office/drawing/2014/main" id="{E24A521E-1022-C5CE-2C5D-8316677D5915}"/>
               </a:ext>
             </a:extLst>
           </p:cNvPr>
@@ -1808,7 +1808,7 @@
           <a:bodyPr/>
           <a:lstStyle/>
           <a:p>
-            <a:fld id="{6F3FCABA-DD23-4C1A-9C83-06C77ADC0A50}" type="datetimeFigureOut">
+            <a:fld id="{A3135D02-B4E9-4026-891D-B710E92AEE05}" type="datetimeFigureOut">
               <a:rPr lang="zh-CN" altLang="en-US" smtClean="0"/>
               <a:t>2024/3/10</a:t>
             </a:fld>
@@ -1821,7 +1821,7 @@
           <p:cNvPr id="8" name="页脚占位符 7">
             <a:extLst>
               <a:ext uri="{FF2B5EF4-FFF2-40B4-BE49-F238E27FC236}">
-                <a16:creationId xmlns:a16="http://schemas.microsoft.com/office/drawing/2014/main" id="{1517C263-E226-A5AA-C578-FD7402441C4F}"/>
+                <a16:creationId xmlns:a16="http://schemas.microsoft.com/office/drawing/2014/main" id="{9466B7A3-73CE-49E8-DB2F-11C6533D8651}"/>
               </a:ext>
             </a:extLst>
           </p:cNvPr>
@@ -1846,7 +1846,7 @@
           <p:cNvPr id="9" name="灯片编号占位符 8">
             <a:extLst>
               <a:ext uri="{FF2B5EF4-FFF2-40B4-BE49-F238E27FC236}">
-                <a16:creationId xmlns:a16="http://schemas.microsoft.com/office/drawing/2014/main" id="{72AD74AE-D6AB-201D-B067-DE5DBF919838}"/>
+                <a16:creationId xmlns:a16="http://schemas.microsoft.com/office/drawing/2014/main" id="{7D1A1F2A-E29D-FE64-2220-95BEDD5511E9}"/>
               </a:ext>
             </a:extLst>
           </p:cNvPr>
@@ -1862,7 +1862,7 @@
           <a:bodyPr/>
           <a:lstStyle/>
           <a:p>
-            <a:fld id="{120B97E8-5717-4FAB-A4E9-EFA63948E267}" type="slidenum">
+            <a:fld id="{3307AE03-E109-47E9-997B-9BA74F1BCD44}" type="slidenum">
               <a:rPr lang="zh-CN" altLang="en-US" smtClean="0"/>
               <a:t>‹#›</a:t>
             </a:fld>
@@ -1873,7 +1873,7 @@
     </p:spTree>
     <p:extLst>
       <p:ext uri="{BB962C8B-B14F-4D97-AF65-F5344CB8AC3E}">
-        <p14:creationId xmlns:p14="http://schemas.microsoft.com/office/powerpoint/2010/main" val="3176613502"/>
+        <p14:creationId xmlns:p14="http://schemas.microsoft.com/office/powerpoint/2010/main" val="3571358424"/>
       </p:ext>
     </p:extLst>
   </p:cSld>
@@ -1905,7 +1905,7 @@
           <p:cNvPr id="2" name="标题 1">
             <a:extLst>
               <a:ext uri="{FF2B5EF4-FFF2-40B4-BE49-F238E27FC236}">
-                <a16:creationId xmlns:a16="http://schemas.microsoft.com/office/drawing/2014/main" id="{042D0B7B-65AB-39FF-5AB8-3B68ED4F2D24}"/>
+                <a16:creationId xmlns:a16="http://schemas.microsoft.com/office/drawing/2014/main" id="{EFB96926-4A71-376A-91D0-8FF0F39AE753}"/>
               </a:ext>
             </a:extLst>
           </p:cNvPr>
@@ -1933,7 +1933,7 @@
           <p:cNvPr id="3" name="日期占位符 2">
             <a:extLst>
               <a:ext uri="{FF2B5EF4-FFF2-40B4-BE49-F238E27FC236}">
-                <a16:creationId xmlns:a16="http://schemas.microsoft.com/office/drawing/2014/main" id="{646DC5B5-823A-A071-6CB3-8D6DA222B701}"/>
+                <a16:creationId xmlns:a16="http://schemas.microsoft.com/office/drawing/2014/main" id="{F2847AFE-9550-8521-DB68-1B579B93CF76}"/>
               </a:ext>
             </a:extLst>
           </p:cNvPr>
@@ -1949,7 +1949,7 @@
           <a:bodyPr/>
           <a:lstStyle/>
           <a:p>
-            <a:fld id="{6F3FCABA-DD23-4C1A-9C83-06C77ADC0A50}" type="datetimeFigureOut">
+            <a:fld id="{A3135D02-B4E9-4026-891D-B710E92AEE05}" type="datetimeFigureOut">
               <a:rPr lang="zh-CN" altLang="en-US" smtClean="0"/>
               <a:t>2024/3/10</a:t>
             </a:fld>
@@ -1962,7 +1962,7 @@
           <p:cNvPr id="4" name="页脚占位符 3">
             <a:extLst>
               <a:ext uri="{FF2B5EF4-FFF2-40B4-BE49-F238E27FC236}">
-                <a16:creationId xmlns:a16="http://schemas.microsoft.com/office/drawing/2014/main" id="{0B2D7B0C-AC22-62DB-72BF-6A7EA9A0E1F7}"/>
+                <a16:creationId xmlns:a16="http://schemas.microsoft.com/office/drawing/2014/main" id="{1FE50779-6608-4ED8-A801-2B3A2B57F681}"/>
               </a:ext>
             </a:extLst>
           </p:cNvPr>
@@ -1987,7 +1987,7 @@
           <p:cNvPr id="5" name="灯片编号占位符 4">
             <a:extLst>
               <a:ext uri="{FF2B5EF4-FFF2-40B4-BE49-F238E27FC236}">
-                <a16:creationId xmlns:a16="http://schemas.microsoft.com/office/drawing/2014/main" id="{7D20BD3F-4A73-882E-C25C-C116D414B08E}"/>
+                <a16:creationId xmlns:a16="http://schemas.microsoft.com/office/drawing/2014/main" id="{A187B79C-6331-46F1-B56D-A3A0A7CE1758}"/>
               </a:ext>
             </a:extLst>
           </p:cNvPr>
@@ -2003,7 +2003,7 @@
           <a:bodyPr/>
           <a:lstStyle/>
           <a:p>
-            <a:fld id="{120B97E8-5717-4FAB-A4E9-EFA63948E267}" type="slidenum">
+            <a:fld id="{3307AE03-E109-47E9-997B-9BA74F1BCD44}" type="slidenum">
               <a:rPr lang="zh-CN" altLang="en-US" smtClean="0"/>
               <a:t>‹#›</a:t>
             </a:fld>
@@ -2014,7 +2014,7 @@
     </p:spTree>
     <p:extLst>
       <p:ext uri="{BB962C8B-B14F-4D97-AF65-F5344CB8AC3E}">
-        <p14:creationId xmlns:p14="http://schemas.microsoft.com/office/powerpoint/2010/main" val="4183533546"/>
+        <p14:creationId xmlns:p14="http://schemas.microsoft.com/office/powerpoint/2010/main" val="2624867841"/>
       </p:ext>
     </p:extLst>
   </p:cSld>
@@ -2046,7 +2046,7 @@
           <p:cNvPr id="2" name="日期占位符 1">
             <a:extLst>
               <a:ext uri="{FF2B5EF4-FFF2-40B4-BE49-F238E27FC236}">
-                <a16:creationId xmlns:a16="http://schemas.microsoft.com/office/drawing/2014/main" id="{98B1F018-D08A-F649-B6F9-C4E38A12E0C0}"/>
+                <a16:creationId xmlns:a16="http://schemas.microsoft.com/office/drawing/2014/main" id="{4419D385-263F-B65B-D443-AAE42BA43BF4}"/>
               </a:ext>
             </a:extLst>
           </p:cNvPr>
@@ -2062,7 +2062,7 @@
           <a:bodyPr/>
           <a:lstStyle/>
           <a:p>
-            <a:fld id="{6F3FCABA-DD23-4C1A-9C83-06C77ADC0A50}" type="datetimeFigureOut">
+            <a:fld id="{A3135D02-B4E9-4026-891D-B710E92AEE05}" type="datetimeFigureOut">
               <a:rPr lang="zh-CN" altLang="en-US" smtClean="0"/>
               <a:t>2024/3/10</a:t>
             </a:fld>
@@ -2075,7 +2075,7 @@
           <p:cNvPr id="3" name="页脚占位符 2">
             <a:extLst>
               <a:ext uri="{FF2B5EF4-FFF2-40B4-BE49-F238E27FC236}">
-                <a16:creationId xmlns:a16="http://schemas.microsoft.com/office/drawing/2014/main" id="{A32B1382-D3E1-AC14-F75A-DE75C8D179E0}"/>
+                <a16:creationId xmlns:a16="http://schemas.microsoft.com/office/drawing/2014/main" id="{DBF7D657-CE00-A122-43FC-4CD8E46F2696}"/>
               </a:ext>
             </a:extLst>
           </p:cNvPr>
@@ -2100,7 +2100,7 @@
           <p:cNvPr id="4" name="灯片编号占位符 3">
             <a:extLst>
               <a:ext uri="{FF2B5EF4-FFF2-40B4-BE49-F238E27FC236}">
-                <a16:creationId xmlns:a16="http://schemas.microsoft.com/office/drawing/2014/main" id="{F2211514-53BC-D117-7DFF-D642C1B0F645}"/>
+                <a16:creationId xmlns:a16="http://schemas.microsoft.com/office/drawing/2014/main" id="{2835EFAB-1BD4-7D23-1D8D-572E1D46EF8F}"/>
               </a:ext>
             </a:extLst>
           </p:cNvPr>
@@ -2116,7 +2116,7 @@
           <a:bodyPr/>
           <a:lstStyle/>
           <a:p>
-            <a:fld id="{120B97E8-5717-4FAB-A4E9-EFA63948E267}" type="slidenum">
+            <a:fld id="{3307AE03-E109-47E9-997B-9BA74F1BCD44}" type="slidenum">
               <a:rPr lang="zh-CN" altLang="en-US" smtClean="0"/>
               <a:t>‹#›</a:t>
             </a:fld>
@@ -2127,7 +2127,7 @@
     </p:spTree>
     <p:extLst>
       <p:ext uri="{BB962C8B-B14F-4D97-AF65-F5344CB8AC3E}">
-        <p14:creationId xmlns:p14="http://schemas.microsoft.com/office/powerpoint/2010/main" val="3299196845"/>
+        <p14:creationId xmlns:p14="http://schemas.microsoft.com/office/powerpoint/2010/main" val="2441389564"/>
       </p:ext>
     </p:extLst>
   </p:cSld>
@@ -2159,7 +2159,7 @@
           <p:cNvPr id="2" name="标题 1">
             <a:extLst>
               <a:ext uri="{FF2B5EF4-FFF2-40B4-BE49-F238E27FC236}">
-                <a16:creationId xmlns:a16="http://schemas.microsoft.com/office/drawing/2014/main" id="{C9C64CB4-4888-BDD7-7F63-D08B5B7CE21F}"/>
+                <a16:creationId xmlns:a16="http://schemas.microsoft.com/office/drawing/2014/main" id="{E341A093-161A-85BF-79B6-6C702F41664D}"/>
               </a:ext>
             </a:extLst>
           </p:cNvPr>
@@ -2196,7 +2196,7 @@
           <p:cNvPr id="3" name="内容占位符 2">
             <a:extLst>
               <a:ext uri="{FF2B5EF4-FFF2-40B4-BE49-F238E27FC236}">
-                <a16:creationId xmlns:a16="http://schemas.microsoft.com/office/drawing/2014/main" id="{7B72656A-1B72-5F02-931C-1158AB75D9D9}"/>
+                <a16:creationId xmlns:a16="http://schemas.microsoft.com/office/drawing/2014/main" id="{C4C8846E-0024-1263-FD41-AB25C8DE1BF3}"/>
               </a:ext>
             </a:extLst>
           </p:cNvPr>
@@ -2286,7 +2286,7 @@
           <p:cNvPr id="4" name="文本占位符 3">
             <a:extLst>
               <a:ext uri="{FF2B5EF4-FFF2-40B4-BE49-F238E27FC236}">
-                <a16:creationId xmlns:a16="http://schemas.microsoft.com/office/drawing/2014/main" id="{EDAEA4F8-947C-49F7-5F44-762CA4D635A3}"/>
+                <a16:creationId xmlns:a16="http://schemas.microsoft.com/office/drawing/2014/main" id="{9F63D83C-5F49-1329-D6FD-B1E7B4C71238}"/>
               </a:ext>
             </a:extLst>
           </p:cNvPr>
@@ -2357,7 +2357,7 @@
           <p:cNvPr id="5" name="日期占位符 4">
             <a:extLst>
               <a:ext uri="{FF2B5EF4-FFF2-40B4-BE49-F238E27FC236}">
-                <a16:creationId xmlns:a16="http://schemas.microsoft.com/office/drawing/2014/main" id="{8C2AB857-7A7E-CE4F-E5A2-551D256E7C6D}"/>
+                <a16:creationId xmlns:a16="http://schemas.microsoft.com/office/drawing/2014/main" id="{2CBC5667-DDD8-9C75-885F-1B70434C90E0}"/>
               </a:ext>
             </a:extLst>
           </p:cNvPr>
@@ -2373,7 +2373,7 @@
           <a:bodyPr/>
           <a:lstStyle/>
           <a:p>
-            <a:fld id="{6F3FCABA-DD23-4C1A-9C83-06C77ADC0A50}" type="datetimeFigureOut">
+            <a:fld id="{A3135D02-B4E9-4026-891D-B710E92AEE05}" type="datetimeFigureOut">
               <a:rPr lang="zh-CN" altLang="en-US" smtClean="0"/>
               <a:t>2024/3/10</a:t>
             </a:fld>
@@ -2386,7 +2386,7 @@
           <p:cNvPr id="6" name="页脚占位符 5">
             <a:extLst>
               <a:ext uri="{FF2B5EF4-FFF2-40B4-BE49-F238E27FC236}">
-                <a16:creationId xmlns:a16="http://schemas.microsoft.com/office/drawing/2014/main" id="{ABF53F9C-4F80-221C-B4DB-70AC2B1B5566}"/>
+                <a16:creationId xmlns:a16="http://schemas.microsoft.com/office/drawing/2014/main" id="{10DA77F1-AFBF-1D63-09B7-D0A23D5788BC}"/>
               </a:ext>
             </a:extLst>
           </p:cNvPr>
@@ -2411,7 +2411,7 @@
           <p:cNvPr id="7" name="灯片编号占位符 6">
             <a:extLst>
               <a:ext uri="{FF2B5EF4-FFF2-40B4-BE49-F238E27FC236}">
-                <a16:creationId xmlns:a16="http://schemas.microsoft.com/office/drawing/2014/main" id="{907ADE31-BC6D-7C0B-AEF1-F68D96D93853}"/>
+                <a16:creationId xmlns:a16="http://schemas.microsoft.com/office/drawing/2014/main" id="{3AF331F8-EBD4-FC8A-4B01-9C7B6A7D02DF}"/>
               </a:ext>
             </a:extLst>
           </p:cNvPr>
@@ -2427,7 +2427,7 @@
           <a:bodyPr/>
           <a:lstStyle/>
           <a:p>
-            <a:fld id="{120B97E8-5717-4FAB-A4E9-EFA63948E267}" type="slidenum">
+            <a:fld id="{3307AE03-E109-47E9-997B-9BA74F1BCD44}" type="slidenum">
               <a:rPr lang="zh-CN" altLang="en-US" smtClean="0"/>
               <a:t>‹#›</a:t>
             </a:fld>
@@ -2438,7 +2438,7 @@
     </p:spTree>
     <p:extLst>
       <p:ext uri="{BB962C8B-B14F-4D97-AF65-F5344CB8AC3E}">
-        <p14:creationId xmlns:p14="http://schemas.microsoft.com/office/powerpoint/2010/main" val="444452327"/>
+        <p14:creationId xmlns:p14="http://schemas.microsoft.com/office/powerpoint/2010/main" val="3311012274"/>
       </p:ext>
     </p:extLst>
   </p:cSld>
@@ -2470,7 +2470,7 @@
           <p:cNvPr id="2" name="标题 1">
             <a:extLst>
               <a:ext uri="{FF2B5EF4-FFF2-40B4-BE49-F238E27FC236}">
-                <a16:creationId xmlns:a16="http://schemas.microsoft.com/office/drawing/2014/main" id="{F7CD310E-C7F2-6620-33F1-FECF66915D81}"/>
+                <a16:creationId xmlns:a16="http://schemas.microsoft.com/office/drawing/2014/main" id="{E77D6B42-F176-4E13-A2F2-F48339209EF3}"/>
               </a:ext>
             </a:extLst>
           </p:cNvPr>
@@ -2507,7 +2507,7 @@
           <p:cNvPr id="3" name="图片占位符 2">
             <a:extLst>
               <a:ext uri="{FF2B5EF4-FFF2-40B4-BE49-F238E27FC236}">
-                <a16:creationId xmlns:a16="http://schemas.microsoft.com/office/drawing/2014/main" id="{7A683AEA-1270-22FA-3F1B-24432E41DCCE}"/>
+                <a16:creationId xmlns:a16="http://schemas.microsoft.com/office/drawing/2014/main" id="{992B8BC7-2401-D6A1-5634-82BCF72CDDF9}"/>
               </a:ext>
             </a:extLst>
           </p:cNvPr>
@@ -2574,7 +2574,7 @@
           <p:cNvPr id="4" name="文本占位符 3">
             <a:extLst>
               <a:ext uri="{FF2B5EF4-FFF2-40B4-BE49-F238E27FC236}">
-                <a16:creationId xmlns:a16="http://schemas.microsoft.com/office/drawing/2014/main" id="{8F69E398-C9FF-D841-33AE-0771DE42DDE6}"/>
+                <a16:creationId xmlns:a16="http://schemas.microsoft.com/office/drawing/2014/main" id="{5057AB08-D506-FED0-0740-93C6F50EBDB5}"/>
               </a:ext>
             </a:extLst>
           </p:cNvPr>
@@ -2645,7 +2645,7 @@
           <p:cNvPr id="5" name="日期占位符 4">
             <a:extLst>
               <a:ext uri="{FF2B5EF4-FFF2-40B4-BE49-F238E27FC236}">
-                <a16:creationId xmlns:a16="http://schemas.microsoft.com/office/drawing/2014/main" id="{DC371D0F-AB29-E70F-716B-C8B04424D5F9}"/>
+                <a16:creationId xmlns:a16="http://schemas.microsoft.com/office/drawing/2014/main" id="{605E1D02-9788-FBB7-1F9B-5E1BABF3FCE8}"/>
               </a:ext>
             </a:extLst>
           </p:cNvPr>
@@ -2661,7 +2661,7 @@
           <a:bodyPr/>
           <a:lstStyle/>
           <a:p>
-            <a:fld id="{6F3FCABA-DD23-4C1A-9C83-06C77ADC0A50}" type="datetimeFigureOut">
+            <a:fld id="{A3135D02-B4E9-4026-891D-B710E92AEE05}" type="datetimeFigureOut">
               <a:rPr lang="zh-CN" altLang="en-US" smtClean="0"/>
               <a:t>2024/3/10</a:t>
             </a:fld>
@@ -2674,7 +2674,7 @@
           <p:cNvPr id="6" name="页脚占位符 5">
             <a:extLst>
               <a:ext uri="{FF2B5EF4-FFF2-40B4-BE49-F238E27FC236}">
-                <a16:creationId xmlns:a16="http://schemas.microsoft.com/office/drawing/2014/main" id="{E6897738-CD9B-2974-A522-7E80A349D34B}"/>
+                <a16:creationId xmlns:a16="http://schemas.microsoft.com/office/drawing/2014/main" id="{55ED2E59-5A24-0D41-E8AF-2C41E357B371}"/>
               </a:ext>
             </a:extLst>
           </p:cNvPr>
@@ -2699,7 +2699,7 @@
           <p:cNvPr id="7" name="灯片编号占位符 6">
             <a:extLst>
               <a:ext uri="{FF2B5EF4-FFF2-40B4-BE49-F238E27FC236}">
-                <a16:creationId xmlns:a16="http://schemas.microsoft.com/office/drawing/2014/main" id="{2A1E3904-279A-9F24-6A1F-3A59A28816E0}"/>
+                <a16:creationId xmlns:a16="http://schemas.microsoft.com/office/drawing/2014/main" id="{B5107D75-1BAC-EF99-8BD8-17CF8EB3DFD0}"/>
               </a:ext>
             </a:extLst>
           </p:cNvPr>
@@ -2715,7 +2715,7 @@
           <a:bodyPr/>
           <a:lstStyle/>
           <a:p>
-            <a:fld id="{120B97E8-5717-4FAB-A4E9-EFA63948E267}" type="slidenum">
+            <a:fld id="{3307AE03-E109-47E9-997B-9BA74F1BCD44}" type="slidenum">
               <a:rPr lang="zh-CN" altLang="en-US" smtClean="0"/>
               <a:t>‹#›</a:t>
             </a:fld>
@@ -2726,7 +2726,7 @@
     </p:spTree>
     <p:extLst>
       <p:ext uri="{BB962C8B-B14F-4D97-AF65-F5344CB8AC3E}">
-        <p14:creationId xmlns:p14="http://schemas.microsoft.com/office/powerpoint/2010/main" val="2003173312"/>
+        <p14:creationId xmlns:p14="http://schemas.microsoft.com/office/powerpoint/2010/main" val="637252113"/>
       </p:ext>
     </p:extLst>
   </p:cSld>
@@ -2763,7 +2763,7 @@
           <p:cNvPr id="2" name="标题占位符 1">
             <a:extLst>
               <a:ext uri="{FF2B5EF4-FFF2-40B4-BE49-F238E27FC236}">
-                <a16:creationId xmlns:a16="http://schemas.microsoft.com/office/drawing/2014/main" id="{D4C0B941-D628-223B-D332-17E9CC47BF47}"/>
+                <a16:creationId xmlns:a16="http://schemas.microsoft.com/office/drawing/2014/main" id="{53308DA1-DB0F-0C7B-3949-D24235866116}"/>
               </a:ext>
             </a:extLst>
           </p:cNvPr>
@@ -2801,7 +2801,7 @@
           <p:cNvPr id="3" name="文本占位符 2">
             <a:extLst>
               <a:ext uri="{FF2B5EF4-FFF2-40B4-BE49-F238E27FC236}">
-                <a16:creationId xmlns:a16="http://schemas.microsoft.com/office/drawing/2014/main" id="{63AEE961-AE73-2024-F731-A5F0DCCB361E}"/>
+                <a16:creationId xmlns:a16="http://schemas.microsoft.com/office/drawing/2014/main" id="{A5840CB3-1249-C265-FC69-8A70643FA855}"/>
               </a:ext>
             </a:extLst>
           </p:cNvPr>
@@ -2868,7 +2868,7 @@
           <p:cNvPr id="4" name="日期占位符 3">
             <a:extLst>
               <a:ext uri="{FF2B5EF4-FFF2-40B4-BE49-F238E27FC236}">
-                <a16:creationId xmlns:a16="http://schemas.microsoft.com/office/drawing/2014/main" id="{3E7E7AE3-E4EB-F940-4B3F-978E2A0B0B87}"/>
+                <a16:creationId xmlns:a16="http://schemas.microsoft.com/office/drawing/2014/main" id="{EBB246B4-5E77-F069-E26D-9F16D8890EFF}"/>
               </a:ext>
             </a:extLst>
           </p:cNvPr>
@@ -2902,7 +2902,7 @@
             </a:lvl1pPr>
           </a:lstStyle>
           <a:p>
-            <a:fld id="{6F3FCABA-DD23-4C1A-9C83-06C77ADC0A50}" type="datetimeFigureOut">
+            <a:fld id="{A3135D02-B4E9-4026-891D-B710E92AEE05}" type="datetimeFigureOut">
               <a:rPr lang="zh-CN" altLang="en-US" smtClean="0"/>
               <a:t>2024/3/10</a:t>
             </a:fld>
@@ -2915,7 +2915,7 @@
           <p:cNvPr id="5" name="页脚占位符 4">
             <a:extLst>
               <a:ext uri="{FF2B5EF4-FFF2-40B4-BE49-F238E27FC236}">
-                <a16:creationId xmlns:a16="http://schemas.microsoft.com/office/drawing/2014/main" id="{AC9133C2-BF5F-6DD7-124D-BDE7C964F42A}"/>
+                <a16:creationId xmlns:a16="http://schemas.microsoft.com/office/drawing/2014/main" id="{17D6E173-B2B8-8541-1B26-31A3046F6C66}"/>
               </a:ext>
             </a:extLst>
           </p:cNvPr>
@@ -2958,7 +2958,7 @@
           <p:cNvPr id="6" name="灯片编号占位符 5">
             <a:extLst>
               <a:ext uri="{FF2B5EF4-FFF2-40B4-BE49-F238E27FC236}">
-                <a16:creationId xmlns:a16="http://schemas.microsoft.com/office/drawing/2014/main" id="{B95C6505-95D9-00FB-6C50-255CF8B61D5F}"/>
+                <a16:creationId xmlns:a16="http://schemas.microsoft.com/office/drawing/2014/main" id="{A443114D-B9E1-2DAD-84F5-08FFD781609D}"/>
               </a:ext>
             </a:extLst>
           </p:cNvPr>
@@ -2992,7 +2992,7 @@
             </a:lvl1pPr>
           </a:lstStyle>
           <a:p>
-            <a:fld id="{120B97E8-5717-4FAB-A4E9-EFA63948E267}" type="slidenum">
+            <a:fld id="{3307AE03-E109-47E9-997B-9BA74F1BCD44}" type="slidenum">
               <a:rPr lang="zh-CN" altLang="en-US" smtClean="0"/>
               <a:t>‹#›</a:t>
             </a:fld>
@@ -3003,7 +3003,7 @@
     </p:spTree>
     <p:extLst>
       <p:ext uri="{BB962C8B-B14F-4D97-AF65-F5344CB8AC3E}">
-        <p14:creationId xmlns:p14="http://schemas.microsoft.com/office/powerpoint/2010/main" val="1878389512"/>
+        <p14:creationId xmlns:p14="http://schemas.microsoft.com/office/powerpoint/2010/main" val="4148233903"/>
       </p:ext>
     </p:extLst>
   </p:cSld>
@@ -3323,7 +3323,7 @@
       </p:grpSpPr>
       <p:pic>
         <p:nvPicPr>
-          <p:cNvPr id="632834" name="Picture 2" descr="617"/>
+          <p:cNvPr id="633858" name="Picture 2" descr="618"/>
           <p:cNvPicPr>
             <a:picLocks noChangeAspect="1" noChangeArrowheads="1"/>
           </p:cNvPicPr>
@@ -3377,7 +3377,7 @@
       </p:pic>
       <p:pic>
         <p:nvPicPr>
-          <p:cNvPr id="633859" name="Picture 3" descr="617-2"/>
+          <p:cNvPr id="634883" name="Picture 3" descr="618-2"/>
           <p:cNvPicPr>
             <a:picLocks noChangeAspect="1" noChangeArrowheads="1"/>
           </p:cNvPicPr>
@@ -3398,71 +3398,7 @@
         </p:blipFill>
         <p:spPr bwMode="auto">
           <a:xfrm>
-            <a:off x="1560513" y="0"/>
-            <a:ext cx="9144000" cy="6858000"/>
-          </a:xfrm>
-          <a:prstGeom prst="rect">
-            <a:avLst/>
-          </a:prstGeom>
-          <a:noFill/>
-          <a:ln>
-            <a:noFill/>
-          </a:ln>
-          <a:effectLst/>
-          <a:extLst>
-            <a:ext uri="{909E8E84-426E-40DD-AFC4-6F175D3DCCD1}">
-              <a14:hiddenFill xmlns:a14="http://schemas.microsoft.com/office/drawing/2010/main">
-                <a:solidFill>
-                  <a:srgbClr val="FFFFFF"/>
-                </a:solidFill>
-              </a14:hiddenFill>
-            </a:ext>
-            <a:ext uri="{91240B29-F687-4F45-9708-019B960494DF}">
-              <a14:hiddenLine xmlns:a14="http://schemas.microsoft.com/office/drawing/2010/main" w="9525">
-                <a:solidFill>
-                  <a:srgbClr val="000000"/>
-                </a:solidFill>
-                <a:miter lim="800000"/>
-                <a:headEnd/>
-                <a:tailEnd/>
-              </a14:hiddenLine>
-            </a:ext>
-            <a:ext uri="{AF507438-7753-43E0-B8FC-AC1667EBCBE1}">
-              <a14:hiddenEffects xmlns:a14="http://schemas.microsoft.com/office/drawing/2010/main">
-                <a:effectLst>
-                  <a:outerShdw dist="35921" dir="2700000" algn="ctr" rotWithShape="0">
-                    <a:srgbClr val="808080"/>
-                  </a:outerShdw>
-                </a:effectLst>
-              </a14:hiddenEffects>
-            </a:ext>
-          </a:extLst>
-        </p:spPr>
-      </p:pic>
-      <p:pic>
-        <p:nvPicPr>
-          <p:cNvPr id="633860" name="Picture 4" descr="617-3"/>
-          <p:cNvPicPr>
-            <a:picLocks noChangeAspect="1" noChangeArrowheads="1"/>
-          </p:cNvPicPr>
-          <p:nvPr/>
-        </p:nvPicPr>
-        <p:blipFill>
-          <a:blip r:embed="rId4">
-            <a:extLst>
-              <a:ext uri="{28A0092B-C50C-407E-A947-70E740481C1C}">
-                <a14:useLocalDpi xmlns:a14="http://schemas.microsoft.com/office/drawing/2010/main" val="0"/>
-              </a:ext>
-            </a:extLst>
-          </a:blip>
-          <a:srcRect/>
-          <a:stretch>
-            <a:fillRect/>
-          </a:stretch>
-        </p:blipFill>
-        <p:spPr bwMode="auto">
-          <a:xfrm>
-            <a:off x="1560513" y="0"/>
+            <a:off x="1524000" y="0"/>
             <a:ext cx="9144000" cy="6858000"/>
           </a:xfrm>
           <a:prstGeom prst="rect">
@@ -3542,7 +3478,7 @@
                                           </p:stCondLst>
                                         </p:cTn>
                                         <p:tgtEl>
-                                          <p:spTgt spid="633859"/>
+                                          <p:spTgt spid="634883"/>
                                         </p:tgtEl>
                                         <p:attrNameLst>
                                           <p:attrName>style.visibility</p:attrName>
@@ -3556,60 +3492,7 @@
                                       <p:cBhvr>
                                         <p:cTn id="7" dur="500"/>
                                         <p:tgtEl>
-                                          <p:spTgt spid="633859"/>
-                                        </p:tgtEl>
-                                      </p:cBhvr>
-                                    </p:animEffect>
-                                  </p:childTnLst>
-                                </p:cTn>
-                              </p:par>
-                            </p:childTnLst>
-                          </p:cTn>
-                        </p:par>
-                      </p:childTnLst>
-                    </p:cTn>
-                  </p:par>
-                  <p:par>
-                    <p:cTn id="8" fill="hold" nodeType="clickPar">
-                      <p:stCondLst>
-                        <p:cond delay="indefinite"/>
-                      </p:stCondLst>
-                      <p:childTnLst>
-                        <p:par>
-                          <p:cTn id="9" fill="hold" nodeType="withGroup">
-                            <p:stCondLst>
-                              <p:cond delay="0"/>
-                            </p:stCondLst>
-                            <p:childTnLst>
-                              <p:par>
-                                <p:cTn id="10" presetID="10" presetClass="entr" presetSubtype="0" fill="hold" nodeType="clickEffect">
-                                  <p:stCondLst>
-                                    <p:cond delay="0"/>
-                                  </p:stCondLst>
-                                  <p:childTnLst>
-                                    <p:set>
-                                      <p:cBhvr>
-                                        <p:cTn id="11" dur="1" fill="hold">
-                                          <p:stCondLst>
-                                            <p:cond delay="0"/>
-                                          </p:stCondLst>
-                                        </p:cTn>
-                                        <p:tgtEl>
-                                          <p:spTgt spid="633860"/>
-                                        </p:tgtEl>
-                                        <p:attrNameLst>
-                                          <p:attrName>style.visibility</p:attrName>
-                                        </p:attrNameLst>
-                                      </p:cBhvr>
-                                      <p:to>
-                                        <p:strVal val="visible"/>
-                                      </p:to>
-                                    </p:set>
-                                    <p:animEffect transition="in" filter="fade">
-                                      <p:cBhvr>
-                                        <p:cTn id="12" dur="500"/>
-                                        <p:tgtEl>
-                                          <p:spTgt spid="633860"/>
+                                          <p:spTgt spid="634883"/>
                                         </p:tgtEl>
                                       </p:cBhvr>
                                     </p:animEffect>
